--- a/Self_Intro.pptx
+++ b/Self_Intro.pptx
@@ -6,7 +6,7 @@
     <p:sldMasterId id="2147483653" r:id="rId2"/>
   </p:sldMasterIdLst>
   <p:notesMasterIdLst>
-    <p:notesMasterId r:id="rId10"/>
+    <p:notesMasterId r:id="rId11"/>
   </p:notesMasterIdLst>
   <p:sldIdLst>
     <p:sldId id="264" r:id="rId3"/>
@@ -15,7 +15,8 @@
     <p:sldId id="286" r:id="rId6"/>
     <p:sldId id="285" r:id="rId7"/>
     <p:sldId id="294" r:id="rId8"/>
-    <p:sldId id="302" r:id="rId9"/>
+    <p:sldId id="303" r:id="rId9"/>
+    <p:sldId id="302" r:id="rId10"/>
   </p:sldIdLst>
   <p:sldSz cx="9144000" cy="5143500" type="screen16x9"/>
   <p:notesSz cx="6858000" cy="9144000"/>
@@ -368,7 +369,7 @@
           <a:p>
             <a:fld id="{C0089311-B830-475E-80F1-E166C91F26EF}" type="datetimeFigureOut">
               <a:rPr lang="en-US" smtClean="0"/>
-              <a:t>9/1/2020</a:t>
+              <a:t>9/3/2020</a:t>
             </a:fld>
             <a:endParaRPr lang="en-US" dirty="0"/>
           </a:p>
@@ -8047,8 +8048,8 @@
         </p:nvSpPr>
         <p:spPr>
           <a:xfrm>
-            <a:off x="683568" y="1437808"/>
-            <a:ext cx="1656184" cy="1963085"/>
+            <a:off x="827584" y="1419622"/>
+            <a:ext cx="1512168" cy="1926030"/>
           </a:xfrm>
           <a:custGeom>
             <a:avLst/>
@@ -8943,6 +8944,92 @@
   <p:clrMapOvr>
     <a:masterClrMapping/>
   </p:clrMapOvr>
+  <p:timing>
+    <p:tnLst>
+      <p:par>
+        <p:cTn id="1" dur="indefinite" restart="never" nodeType="tmRoot">
+          <p:childTnLst>
+            <p:seq concurrent="1" nextAc="seek">
+              <p:cTn id="2" dur="indefinite" nodeType="mainSeq">
+                <p:childTnLst>
+                  <p:par>
+                    <p:cTn id="3" fill="hold">
+                      <p:stCondLst>
+                        <p:cond delay="indefinite"/>
+                      </p:stCondLst>
+                      <p:childTnLst>
+                        <p:par>
+                          <p:cTn id="4" fill="hold">
+                            <p:stCondLst>
+                              <p:cond delay="0"/>
+                            </p:stCondLst>
+                            <p:childTnLst>
+                              <p:par>
+                                <p:cTn id="5" presetID="10" presetClass="entr" presetSubtype="0" fill="hold" grpId="0" nodeType="clickEffect">
+                                  <p:stCondLst>
+                                    <p:cond delay="0"/>
+                                  </p:stCondLst>
+                                  <p:childTnLst>
+                                    <p:set>
+                                      <p:cBhvr>
+                                        <p:cTn id="6" dur="1" fill="hold">
+                                          <p:stCondLst>
+                                            <p:cond delay="0"/>
+                                          </p:stCondLst>
+                                        </p:cTn>
+                                        <p:tgtEl>
+                                          <p:spTgt spid="14"/>
+                                        </p:tgtEl>
+                                        <p:attrNameLst>
+                                          <p:attrName>style.visibility</p:attrName>
+                                        </p:attrNameLst>
+                                      </p:cBhvr>
+                                      <p:to>
+                                        <p:strVal val="visible"/>
+                                      </p:to>
+                                    </p:set>
+                                    <p:animEffect transition="in" filter="fade">
+                                      <p:cBhvr>
+                                        <p:cTn id="7" dur="500"/>
+                                        <p:tgtEl>
+                                          <p:spTgt spid="14"/>
+                                        </p:tgtEl>
+                                      </p:cBhvr>
+                                    </p:animEffect>
+                                  </p:childTnLst>
+                                </p:cTn>
+                              </p:par>
+                            </p:childTnLst>
+                          </p:cTn>
+                        </p:par>
+                      </p:childTnLst>
+                    </p:cTn>
+                  </p:par>
+                </p:childTnLst>
+              </p:cTn>
+              <p:prevCondLst>
+                <p:cond evt="onPrev" delay="0">
+                  <p:tgtEl>
+                    <p:sldTgt/>
+                  </p:tgtEl>
+                </p:cond>
+              </p:prevCondLst>
+              <p:nextCondLst>
+                <p:cond evt="onNext" delay="0">
+                  <p:tgtEl>
+                    <p:sldTgt/>
+                  </p:tgtEl>
+                </p:cond>
+              </p:nextCondLst>
+            </p:seq>
+          </p:childTnLst>
+        </p:cTn>
+      </p:par>
+    </p:tnLst>
+    <p:bldLst>
+      <p:bldP spid="14" grpId="0" animBg="1"/>
+    </p:bldLst>
+  </p:timing>
 </p:sld>
 </file>
 
@@ -10925,7 +11012,7 @@
                 <a:ea typeface="Segoe UI Black" panose="020B0A02040204020203" pitchFamily="34" charset="0"/>
                 <a:cs typeface="Arial" pitchFamily="34" charset="0"/>
               </a:rPr>
-              <a:t>I chose to be an computer science engineer  because I thought, it would be a lot of field that solves the most impactful of our problems in the real world, like any Tech stuff that made our life easier and simple. For example: Our phones, satellite devices &amp; this google meet application also that connecting people virtually in this pandemic. </a:t>
+              <a:t>I chose to be an computer science engineer  because I thought, it would be a lot of field that solves the most impactful of our problems in the real world, like any Tech stuff that made our life easier and simpler. For example: Our phones, satellite devices &amp; this google meet application also that connecting people virtually in this pandemic. </a:t>
             </a:r>
             <a:endParaRPr lang="ko-KR" altLang="en-US" sz="1200" dirty="0">
               <a:ln w="0"/>
@@ -10991,7 +11078,7 @@
                 <a:ea typeface="Segoe UI Black" panose="020B0A02040204020203" pitchFamily="34" charset="0"/>
                 <a:cs typeface="Arial" pitchFamily="34" charset="0"/>
               </a:rPr>
-              <a:t>If  I not in engineering,  I would be a business man and handling my family business because I wouldn’t interested in anything except SE.</a:t>
+              <a:t>If  I not in engineering,  I would be a business man and handling my family business because I wouldn’t interested in anything else, except SE.</a:t>
             </a:r>
             <a:endParaRPr lang="ko-KR" altLang="en-US" sz="1200" dirty="0">
               <a:ln w="0"/>
@@ -12500,7 +12587,7 @@
                 </a:solidFill>
                 <a:cs typeface="Arial" pitchFamily="34" charset="0"/>
               </a:rPr>
-              <a:t>I would like to start out as SDE-I and later master the technical skills necessary to move onto a more senior position. From there, I’d like to assist in major projects and hopefully take on a leadership role in company, Apart from academic activities I’m very much socially active too. It is my responsibility that I should do something for my fellow being.</a:t>
+              <a:t>I would like to start out as SDE-I and master the technical skills necessary to move onto a more senior position. From there, I’d like to assist in major projects and hopefully take on a leadership role in company, Apart from academic activities I’m very much socially active too(not with all). It is my responsibility that I should do something for my fellow being.</a:t>
             </a:r>
             <a:endParaRPr lang="ko-KR" altLang="en-US" sz="1600" b="1" dirty="0">
               <a:solidFill>
@@ -12778,6 +12865,1028 @@
 </file>
 
 <file path=ppt/slides/slide7.xml><?xml version="1.0" encoding="utf-8"?>
+<p:sld xmlns:a="http://schemas.openxmlformats.org/drawingml/2006/main" xmlns:r="http://schemas.openxmlformats.org/officeDocument/2006/relationships" xmlns:p="http://schemas.openxmlformats.org/presentationml/2006/main">
+  <p:cSld>
+    <p:spTree>
+      <p:nvGrpSpPr>
+        <p:cNvPr id="1" name=""/>
+        <p:cNvGrpSpPr/>
+        <p:nvPr/>
+      </p:nvGrpSpPr>
+      <p:grpSpPr>
+        <a:xfrm>
+          <a:off x="0" y="0"/>
+          <a:ext cx="0" cy="0"/>
+          <a:chOff x="0" y="0"/>
+          <a:chExt cx="0" cy="0"/>
+        </a:xfrm>
+      </p:grpSpPr>
+      <p:sp>
+        <p:nvSpPr>
+          <p:cNvPr id="2" name="Text Placeholder 1"/>
+          <p:cNvSpPr>
+            <a:spLocks noGrp="1"/>
+          </p:cNvSpPr>
+          <p:nvPr>
+            <p:ph type="body" sz="quarter" idx="10"/>
+          </p:nvPr>
+        </p:nvSpPr>
+        <p:spPr>
+          <a:xfrm>
+            <a:off x="1475656" y="255351"/>
+            <a:ext cx="5089442" cy="710277"/>
+          </a:xfrm>
+        </p:spPr>
+        <p:txBody>
+          <a:bodyPr/>
+          <a:lstStyle/>
+          <a:p>
+            <a:pPr lvl="0" algn="ctr"/>
+            <a:r>
+              <a:rPr lang="en-IN" sz="3200" b="1" dirty="0">
+                <a:ln w="22225">
+                  <a:solidFill>
+                    <a:schemeClr val="accent2"/>
+                  </a:solidFill>
+                  <a:prstDash val="solid"/>
+                </a:ln>
+                <a:solidFill>
+                  <a:srgbClr val="FFC000"/>
+                </a:solidFill>
+              </a:rPr>
+              <a:t>Strength &amp; Weakness</a:t>
+            </a:r>
+          </a:p>
+          <a:p>
+            <a:pPr lvl="0" algn="ctr"/>
+            <a:endParaRPr lang="en-IN" sz="3200" b="1" dirty="0">
+              <a:ln w="22225">
+                <a:solidFill>
+                  <a:schemeClr val="accent2"/>
+                </a:solidFill>
+                <a:prstDash val="solid"/>
+              </a:ln>
+              <a:solidFill>
+                <a:srgbClr val="FFC000"/>
+              </a:solidFill>
+            </a:endParaRPr>
+          </a:p>
+        </p:txBody>
+      </p:sp>
+      <p:sp>
+        <p:nvSpPr>
+          <p:cNvPr id="7" name="Left Arrow 6"/>
+          <p:cNvSpPr/>
+          <p:nvPr/>
+        </p:nvSpPr>
+        <p:spPr>
+          <a:xfrm flipH="1">
+            <a:off x="3228289" y="1565059"/>
+            <a:ext cx="1584176" cy="746019"/>
+          </a:xfrm>
+          <a:prstGeom prst="leftArrow">
+            <a:avLst>
+              <a:gd name="adj1" fmla="val 59244"/>
+              <a:gd name="adj2" fmla="val 88746"/>
+            </a:avLst>
+          </a:prstGeom>
+          <a:solidFill>
+            <a:schemeClr val="accent2"/>
+          </a:solidFill>
+          <a:ln>
+            <a:noFill/>
+          </a:ln>
+        </p:spPr>
+        <p:style>
+          <a:lnRef idx="2">
+            <a:schemeClr val="accent1">
+              <a:shade val="50000"/>
+            </a:schemeClr>
+          </a:lnRef>
+          <a:fillRef idx="1">
+            <a:schemeClr val="accent1"/>
+          </a:fillRef>
+          <a:effectRef idx="0">
+            <a:schemeClr val="accent1"/>
+          </a:effectRef>
+          <a:fontRef idx="minor">
+            <a:schemeClr val="lt1"/>
+          </a:fontRef>
+        </p:style>
+        <p:txBody>
+          <a:bodyPr rtlCol="0" anchor="ctr"/>
+          <a:lstStyle/>
+          <a:p>
+            <a:pPr algn="ctr"/>
+            <a:endParaRPr lang="ko-KR" altLang="en-US" dirty="0"/>
+          </a:p>
+        </p:txBody>
+      </p:sp>
+      <p:sp>
+        <p:nvSpPr>
+          <p:cNvPr id="9" name="Text Placeholder 1">
+            <a:extLst>
+              <a:ext uri="{FF2B5EF4-FFF2-40B4-BE49-F238E27FC236}">
+                <a16:creationId xmlns:a16="http://schemas.microsoft.com/office/drawing/2014/main" id="{165849BA-143E-4351-ADE3-49CB322DDC4D}"/>
+              </a:ext>
+            </a:extLst>
+          </p:cNvPr>
+          <p:cNvSpPr txBox="1">
+            <a:spLocks/>
+          </p:cNvSpPr>
+          <p:nvPr/>
+        </p:nvSpPr>
+        <p:spPr>
+          <a:xfrm>
+            <a:off x="395536" y="1809595"/>
+            <a:ext cx="2160240" cy="860102"/>
+          </a:xfrm>
+          <a:prstGeom prst="rect">
+            <a:avLst/>
+          </a:prstGeom>
+        </p:spPr>
+        <p:txBody>
+          <a:bodyPr anchor="ctr"/>
+          <a:lstStyle>
+            <a:lvl1pPr marL="0" indent="0" algn="ctr" defTabSz="914400" rtl="0" eaLnBrk="1" latinLnBrk="1" hangingPunct="1">
+              <a:spcBef>
+                <a:spcPct val="20000"/>
+              </a:spcBef>
+              <a:buFont typeface="Arial" pitchFamily="34" charset="0"/>
+              <a:buNone/>
+              <a:defRPr sz="3600" b="0" kern="1200" baseline="0">
+                <a:solidFill>
+                  <a:schemeClr val="bg1"/>
+                </a:solidFill>
+                <a:latin typeface="+mj-lt"/>
+                <a:ea typeface="+mn-ea"/>
+                <a:cs typeface="Arial" pitchFamily="34" charset="0"/>
+              </a:defRPr>
+            </a:lvl1pPr>
+            <a:lvl2pPr marL="742950" indent="-285750" algn="l" defTabSz="914400" rtl="0" eaLnBrk="1" latinLnBrk="1" hangingPunct="1">
+              <a:spcBef>
+                <a:spcPct val="20000"/>
+              </a:spcBef>
+              <a:buFont typeface="Arial" pitchFamily="34" charset="0"/>
+              <a:buChar char="–"/>
+              <a:defRPr sz="2800" kern="1200">
+                <a:solidFill>
+                  <a:schemeClr val="tx1"/>
+                </a:solidFill>
+                <a:latin typeface="+mn-lt"/>
+                <a:ea typeface="+mn-ea"/>
+                <a:cs typeface="+mn-cs"/>
+              </a:defRPr>
+            </a:lvl2pPr>
+            <a:lvl3pPr marL="1143000" indent="-228600" algn="l" defTabSz="914400" rtl="0" eaLnBrk="1" latinLnBrk="1" hangingPunct="1">
+              <a:spcBef>
+                <a:spcPct val="20000"/>
+              </a:spcBef>
+              <a:buFont typeface="Arial" pitchFamily="34" charset="0"/>
+              <a:buChar char="•"/>
+              <a:defRPr sz="2400" kern="1200">
+                <a:solidFill>
+                  <a:schemeClr val="tx1"/>
+                </a:solidFill>
+                <a:latin typeface="+mn-lt"/>
+                <a:ea typeface="+mn-ea"/>
+                <a:cs typeface="+mn-cs"/>
+              </a:defRPr>
+            </a:lvl3pPr>
+            <a:lvl4pPr marL="1600200" indent="-228600" algn="l" defTabSz="914400" rtl="0" eaLnBrk="1" latinLnBrk="1" hangingPunct="1">
+              <a:spcBef>
+                <a:spcPct val="20000"/>
+              </a:spcBef>
+              <a:buFont typeface="Arial" pitchFamily="34" charset="0"/>
+              <a:buChar char="–"/>
+              <a:defRPr sz="2000" kern="1200">
+                <a:solidFill>
+                  <a:schemeClr val="tx1"/>
+                </a:solidFill>
+                <a:latin typeface="+mn-lt"/>
+                <a:ea typeface="+mn-ea"/>
+                <a:cs typeface="+mn-cs"/>
+              </a:defRPr>
+            </a:lvl4pPr>
+            <a:lvl5pPr marL="2057400" indent="-228600" algn="l" defTabSz="914400" rtl="0" eaLnBrk="1" latinLnBrk="1" hangingPunct="1">
+              <a:spcBef>
+                <a:spcPct val="20000"/>
+              </a:spcBef>
+              <a:buFont typeface="Arial" pitchFamily="34" charset="0"/>
+              <a:buChar char="»"/>
+              <a:defRPr sz="2000" kern="1200">
+                <a:solidFill>
+                  <a:schemeClr val="tx1"/>
+                </a:solidFill>
+                <a:latin typeface="+mn-lt"/>
+                <a:ea typeface="+mn-ea"/>
+                <a:cs typeface="+mn-cs"/>
+              </a:defRPr>
+            </a:lvl5pPr>
+            <a:lvl6pPr marL="2514600" indent="-228600" algn="l" defTabSz="914400" rtl="0" eaLnBrk="1" latinLnBrk="1" hangingPunct="1">
+              <a:spcBef>
+                <a:spcPct val="20000"/>
+              </a:spcBef>
+              <a:buFont typeface="Arial" pitchFamily="34" charset="0"/>
+              <a:buChar char="•"/>
+              <a:defRPr sz="2000" kern="1200">
+                <a:solidFill>
+                  <a:schemeClr val="tx1"/>
+                </a:solidFill>
+                <a:latin typeface="+mn-lt"/>
+                <a:ea typeface="+mn-ea"/>
+                <a:cs typeface="+mn-cs"/>
+              </a:defRPr>
+            </a:lvl6pPr>
+            <a:lvl7pPr marL="2971800" indent="-228600" algn="l" defTabSz="914400" rtl="0" eaLnBrk="1" latinLnBrk="1" hangingPunct="1">
+              <a:spcBef>
+                <a:spcPct val="20000"/>
+              </a:spcBef>
+              <a:buFont typeface="Arial" pitchFamily="34" charset="0"/>
+              <a:buChar char="•"/>
+              <a:defRPr sz="2000" kern="1200">
+                <a:solidFill>
+                  <a:schemeClr val="tx1"/>
+                </a:solidFill>
+                <a:latin typeface="+mn-lt"/>
+                <a:ea typeface="+mn-ea"/>
+                <a:cs typeface="+mn-cs"/>
+              </a:defRPr>
+            </a:lvl7pPr>
+            <a:lvl8pPr marL="3429000" indent="-228600" algn="l" defTabSz="914400" rtl="0" eaLnBrk="1" latinLnBrk="1" hangingPunct="1">
+              <a:spcBef>
+                <a:spcPct val="20000"/>
+              </a:spcBef>
+              <a:buFont typeface="Arial" pitchFamily="34" charset="0"/>
+              <a:buChar char="•"/>
+              <a:defRPr sz="2000" kern="1200">
+                <a:solidFill>
+                  <a:schemeClr val="tx1"/>
+                </a:solidFill>
+                <a:latin typeface="+mn-lt"/>
+                <a:ea typeface="+mn-ea"/>
+                <a:cs typeface="+mn-cs"/>
+              </a:defRPr>
+            </a:lvl8pPr>
+            <a:lvl9pPr marL="3886200" indent="-228600" algn="l" defTabSz="914400" rtl="0" eaLnBrk="1" latinLnBrk="1" hangingPunct="1">
+              <a:spcBef>
+                <a:spcPct val="20000"/>
+              </a:spcBef>
+              <a:buFont typeface="Arial" pitchFamily="34" charset="0"/>
+              <a:buChar char="•"/>
+              <a:defRPr sz="2000" kern="1200">
+                <a:solidFill>
+                  <a:schemeClr val="tx1"/>
+                </a:solidFill>
+                <a:latin typeface="+mn-lt"/>
+                <a:ea typeface="+mn-ea"/>
+                <a:cs typeface="+mn-cs"/>
+              </a:defRPr>
+            </a:lvl9pPr>
+          </a:lstStyle>
+          <a:p>
+            <a:r>
+              <a:rPr lang="en-IN" b="1" dirty="0">
+                <a:ln w="9525">
+                  <a:solidFill>
+                    <a:schemeClr val="bg1"/>
+                  </a:solidFill>
+                  <a:prstDash val="solid"/>
+                </a:ln>
+                <a:solidFill>
+                  <a:schemeClr val="accent5"/>
+                </a:solidFill>
+                <a:effectLst>
+                  <a:outerShdw blurRad="12700" dist="38100" dir="2700000" algn="tl" rotWithShape="0">
+                    <a:schemeClr val="accent5">
+                      <a:lumMod val="60000"/>
+                      <a:lumOff val="40000"/>
+                    </a:schemeClr>
+                  </a:outerShdw>
+                </a:effectLst>
+              </a:rPr>
+              <a:t>Strength</a:t>
+            </a:r>
+          </a:p>
+          <a:p>
+            <a:endParaRPr lang="en-IN" b="1" dirty="0">
+              <a:ln w="9525">
+                <a:solidFill>
+                  <a:schemeClr val="bg1"/>
+                </a:solidFill>
+                <a:prstDash val="solid"/>
+              </a:ln>
+              <a:solidFill>
+                <a:schemeClr val="accent5"/>
+              </a:solidFill>
+              <a:effectLst>
+                <a:outerShdw blurRad="12700" dist="38100" dir="2700000" algn="tl" rotWithShape="0">
+                  <a:schemeClr val="accent5">
+                    <a:lumMod val="60000"/>
+                    <a:lumOff val="40000"/>
+                  </a:schemeClr>
+                </a:outerShdw>
+              </a:effectLst>
+            </a:endParaRPr>
+          </a:p>
+        </p:txBody>
+      </p:sp>
+      <p:sp>
+        <p:nvSpPr>
+          <p:cNvPr id="3" name="Left Arrow 6">
+            <a:extLst>
+              <a:ext uri="{FF2B5EF4-FFF2-40B4-BE49-F238E27FC236}">
+                <a16:creationId xmlns:a16="http://schemas.microsoft.com/office/drawing/2014/main" id="{807B2D04-C8CF-4EEA-831F-7F4F4057E33E}"/>
+              </a:ext>
+            </a:extLst>
+          </p:cNvPr>
+          <p:cNvSpPr/>
+          <p:nvPr/>
+        </p:nvSpPr>
+        <p:spPr>
+          <a:xfrm rot="10800000" flipH="1">
+            <a:off x="3228289" y="3003431"/>
+            <a:ext cx="1584176" cy="746019"/>
+          </a:xfrm>
+          <a:prstGeom prst="leftArrow">
+            <a:avLst>
+              <a:gd name="adj1" fmla="val 59244"/>
+              <a:gd name="adj2" fmla="val 88746"/>
+            </a:avLst>
+          </a:prstGeom>
+          <a:solidFill>
+            <a:schemeClr val="accent2"/>
+          </a:solidFill>
+          <a:ln>
+            <a:noFill/>
+          </a:ln>
+        </p:spPr>
+        <p:style>
+          <a:lnRef idx="2">
+            <a:schemeClr val="accent1">
+              <a:shade val="50000"/>
+            </a:schemeClr>
+          </a:lnRef>
+          <a:fillRef idx="1">
+            <a:schemeClr val="accent1"/>
+          </a:fillRef>
+          <a:effectRef idx="0">
+            <a:schemeClr val="accent1"/>
+          </a:effectRef>
+          <a:fontRef idx="minor">
+            <a:schemeClr val="lt1"/>
+          </a:fontRef>
+        </p:style>
+        <p:txBody>
+          <a:bodyPr rtlCol="0" anchor="ctr"/>
+          <a:lstStyle/>
+          <a:p>
+            <a:pPr algn="ctr"/>
+            <a:endParaRPr lang="ko-KR" altLang="en-US" dirty="0"/>
+          </a:p>
+        </p:txBody>
+      </p:sp>
+      <p:sp>
+        <p:nvSpPr>
+          <p:cNvPr id="4" name="Text Placeholder 1">
+            <a:extLst>
+              <a:ext uri="{FF2B5EF4-FFF2-40B4-BE49-F238E27FC236}">
+                <a16:creationId xmlns:a16="http://schemas.microsoft.com/office/drawing/2014/main" id="{4225D245-3094-4722-B148-9AAC511A03E9}"/>
+              </a:ext>
+            </a:extLst>
+          </p:cNvPr>
+          <p:cNvSpPr txBox="1">
+            <a:spLocks/>
+          </p:cNvSpPr>
+          <p:nvPr/>
+        </p:nvSpPr>
+        <p:spPr>
+          <a:xfrm>
+            <a:off x="381261" y="3291830"/>
+            <a:ext cx="2485672" cy="860102"/>
+          </a:xfrm>
+          <a:prstGeom prst="rect">
+            <a:avLst/>
+          </a:prstGeom>
+        </p:spPr>
+        <p:txBody>
+          <a:bodyPr anchor="ctr"/>
+          <a:lstStyle>
+            <a:lvl1pPr marL="0" indent="0" algn="ctr" defTabSz="914400" rtl="0" eaLnBrk="1" latinLnBrk="1" hangingPunct="1">
+              <a:spcBef>
+                <a:spcPct val="20000"/>
+              </a:spcBef>
+              <a:buFont typeface="Arial" pitchFamily="34" charset="0"/>
+              <a:buNone/>
+              <a:defRPr sz="3600" b="0" kern="1200" baseline="0">
+                <a:solidFill>
+                  <a:schemeClr val="bg1"/>
+                </a:solidFill>
+                <a:latin typeface="+mj-lt"/>
+                <a:ea typeface="+mn-ea"/>
+                <a:cs typeface="Arial" pitchFamily="34" charset="0"/>
+              </a:defRPr>
+            </a:lvl1pPr>
+            <a:lvl2pPr marL="742950" indent="-285750" algn="l" defTabSz="914400" rtl="0" eaLnBrk="1" latinLnBrk="1" hangingPunct="1">
+              <a:spcBef>
+                <a:spcPct val="20000"/>
+              </a:spcBef>
+              <a:buFont typeface="Arial" pitchFamily="34" charset="0"/>
+              <a:buChar char="–"/>
+              <a:defRPr sz="2800" kern="1200">
+                <a:solidFill>
+                  <a:schemeClr val="tx1"/>
+                </a:solidFill>
+                <a:latin typeface="+mn-lt"/>
+                <a:ea typeface="+mn-ea"/>
+                <a:cs typeface="+mn-cs"/>
+              </a:defRPr>
+            </a:lvl2pPr>
+            <a:lvl3pPr marL="1143000" indent="-228600" algn="l" defTabSz="914400" rtl="0" eaLnBrk="1" latinLnBrk="1" hangingPunct="1">
+              <a:spcBef>
+                <a:spcPct val="20000"/>
+              </a:spcBef>
+              <a:buFont typeface="Arial" pitchFamily="34" charset="0"/>
+              <a:buChar char="•"/>
+              <a:defRPr sz="2400" kern="1200">
+                <a:solidFill>
+                  <a:schemeClr val="tx1"/>
+                </a:solidFill>
+                <a:latin typeface="+mn-lt"/>
+                <a:ea typeface="+mn-ea"/>
+                <a:cs typeface="+mn-cs"/>
+              </a:defRPr>
+            </a:lvl3pPr>
+            <a:lvl4pPr marL="1600200" indent="-228600" algn="l" defTabSz="914400" rtl="0" eaLnBrk="1" latinLnBrk="1" hangingPunct="1">
+              <a:spcBef>
+                <a:spcPct val="20000"/>
+              </a:spcBef>
+              <a:buFont typeface="Arial" pitchFamily="34" charset="0"/>
+              <a:buChar char="–"/>
+              <a:defRPr sz="2000" kern="1200">
+                <a:solidFill>
+                  <a:schemeClr val="tx1"/>
+                </a:solidFill>
+                <a:latin typeface="+mn-lt"/>
+                <a:ea typeface="+mn-ea"/>
+                <a:cs typeface="+mn-cs"/>
+              </a:defRPr>
+            </a:lvl4pPr>
+            <a:lvl5pPr marL="2057400" indent="-228600" algn="l" defTabSz="914400" rtl="0" eaLnBrk="1" latinLnBrk="1" hangingPunct="1">
+              <a:spcBef>
+                <a:spcPct val="20000"/>
+              </a:spcBef>
+              <a:buFont typeface="Arial" pitchFamily="34" charset="0"/>
+              <a:buChar char="»"/>
+              <a:defRPr sz="2000" kern="1200">
+                <a:solidFill>
+                  <a:schemeClr val="tx1"/>
+                </a:solidFill>
+                <a:latin typeface="+mn-lt"/>
+                <a:ea typeface="+mn-ea"/>
+                <a:cs typeface="+mn-cs"/>
+              </a:defRPr>
+            </a:lvl5pPr>
+            <a:lvl6pPr marL="2514600" indent="-228600" algn="l" defTabSz="914400" rtl="0" eaLnBrk="1" latinLnBrk="1" hangingPunct="1">
+              <a:spcBef>
+                <a:spcPct val="20000"/>
+              </a:spcBef>
+              <a:buFont typeface="Arial" pitchFamily="34" charset="0"/>
+              <a:buChar char="•"/>
+              <a:defRPr sz="2000" kern="1200">
+                <a:solidFill>
+                  <a:schemeClr val="tx1"/>
+                </a:solidFill>
+                <a:latin typeface="+mn-lt"/>
+                <a:ea typeface="+mn-ea"/>
+                <a:cs typeface="+mn-cs"/>
+              </a:defRPr>
+            </a:lvl6pPr>
+            <a:lvl7pPr marL="2971800" indent="-228600" algn="l" defTabSz="914400" rtl="0" eaLnBrk="1" latinLnBrk="1" hangingPunct="1">
+              <a:spcBef>
+                <a:spcPct val="20000"/>
+              </a:spcBef>
+              <a:buFont typeface="Arial" pitchFamily="34" charset="0"/>
+              <a:buChar char="•"/>
+              <a:defRPr sz="2000" kern="1200">
+                <a:solidFill>
+                  <a:schemeClr val="tx1"/>
+                </a:solidFill>
+                <a:latin typeface="+mn-lt"/>
+                <a:ea typeface="+mn-ea"/>
+                <a:cs typeface="+mn-cs"/>
+              </a:defRPr>
+            </a:lvl7pPr>
+            <a:lvl8pPr marL="3429000" indent="-228600" algn="l" defTabSz="914400" rtl="0" eaLnBrk="1" latinLnBrk="1" hangingPunct="1">
+              <a:spcBef>
+                <a:spcPct val="20000"/>
+              </a:spcBef>
+              <a:buFont typeface="Arial" pitchFamily="34" charset="0"/>
+              <a:buChar char="•"/>
+              <a:defRPr sz="2000" kern="1200">
+                <a:solidFill>
+                  <a:schemeClr val="tx1"/>
+                </a:solidFill>
+                <a:latin typeface="+mn-lt"/>
+                <a:ea typeface="+mn-ea"/>
+                <a:cs typeface="+mn-cs"/>
+              </a:defRPr>
+            </a:lvl8pPr>
+            <a:lvl9pPr marL="3886200" indent="-228600" algn="l" defTabSz="914400" rtl="0" eaLnBrk="1" latinLnBrk="1" hangingPunct="1">
+              <a:spcBef>
+                <a:spcPct val="20000"/>
+              </a:spcBef>
+              <a:buFont typeface="Arial" pitchFamily="34" charset="0"/>
+              <a:buChar char="•"/>
+              <a:defRPr sz="2000" kern="1200">
+                <a:solidFill>
+                  <a:schemeClr val="tx1"/>
+                </a:solidFill>
+                <a:latin typeface="+mn-lt"/>
+                <a:ea typeface="+mn-ea"/>
+                <a:cs typeface="+mn-cs"/>
+              </a:defRPr>
+            </a:lvl9pPr>
+          </a:lstStyle>
+          <a:p>
+            <a:r>
+              <a:rPr lang="en-IN" b="1" dirty="0">
+                <a:ln w="9525">
+                  <a:solidFill>
+                    <a:schemeClr val="bg1"/>
+                  </a:solidFill>
+                  <a:prstDash val="solid"/>
+                </a:ln>
+                <a:solidFill>
+                  <a:schemeClr val="accent5"/>
+                </a:solidFill>
+                <a:effectLst>
+                  <a:outerShdw blurRad="12700" dist="38100" dir="2700000" algn="tl" rotWithShape="0">
+                    <a:schemeClr val="accent5">
+                      <a:lumMod val="60000"/>
+                      <a:lumOff val="40000"/>
+                    </a:schemeClr>
+                  </a:outerShdw>
+                </a:effectLst>
+              </a:rPr>
+              <a:t>Weakness</a:t>
+            </a:r>
+          </a:p>
+          <a:p>
+            <a:endParaRPr lang="en-IN" b="1" dirty="0">
+              <a:ln w="9525">
+                <a:solidFill>
+                  <a:schemeClr val="bg1"/>
+                </a:solidFill>
+                <a:prstDash val="solid"/>
+              </a:ln>
+              <a:solidFill>
+                <a:schemeClr val="accent5"/>
+              </a:solidFill>
+              <a:effectLst>
+                <a:outerShdw blurRad="12700" dist="38100" dir="2700000" algn="tl" rotWithShape="0">
+                  <a:schemeClr val="accent5">
+                    <a:lumMod val="60000"/>
+                    <a:lumOff val="40000"/>
+                  </a:schemeClr>
+                </a:outerShdw>
+              </a:effectLst>
+            </a:endParaRPr>
+          </a:p>
+        </p:txBody>
+      </p:sp>
+      <p:sp>
+        <p:nvSpPr>
+          <p:cNvPr id="11" name="Text Placeholder 1">
+            <a:extLst>
+              <a:ext uri="{FF2B5EF4-FFF2-40B4-BE49-F238E27FC236}">
+                <a16:creationId xmlns:a16="http://schemas.microsoft.com/office/drawing/2014/main" id="{D5B3777B-9F73-4702-AE7B-D8555C5BA668}"/>
+              </a:ext>
+            </a:extLst>
+          </p:cNvPr>
+          <p:cNvSpPr txBox="1">
+            <a:spLocks/>
+          </p:cNvSpPr>
+          <p:nvPr/>
+        </p:nvSpPr>
+        <p:spPr>
+          <a:xfrm>
+            <a:off x="5220072" y="1781361"/>
+            <a:ext cx="2160240" cy="860102"/>
+          </a:xfrm>
+          <a:prstGeom prst="rect">
+            <a:avLst/>
+          </a:prstGeom>
+        </p:spPr>
+        <p:txBody>
+          <a:bodyPr anchor="ctr"/>
+          <a:lstStyle>
+            <a:lvl1pPr marL="0" indent="0" algn="ctr" defTabSz="914400" rtl="0" eaLnBrk="1" latinLnBrk="1" hangingPunct="1">
+              <a:spcBef>
+                <a:spcPct val="20000"/>
+              </a:spcBef>
+              <a:buFont typeface="Arial" pitchFamily="34" charset="0"/>
+              <a:buNone/>
+              <a:defRPr sz="3600" b="0" kern="1200" baseline="0">
+                <a:solidFill>
+                  <a:schemeClr val="bg1"/>
+                </a:solidFill>
+                <a:latin typeface="+mj-lt"/>
+                <a:ea typeface="+mn-ea"/>
+                <a:cs typeface="Arial" pitchFamily="34" charset="0"/>
+              </a:defRPr>
+            </a:lvl1pPr>
+            <a:lvl2pPr marL="742950" indent="-285750" algn="l" defTabSz="914400" rtl="0" eaLnBrk="1" latinLnBrk="1" hangingPunct="1">
+              <a:spcBef>
+                <a:spcPct val="20000"/>
+              </a:spcBef>
+              <a:buFont typeface="Arial" pitchFamily="34" charset="0"/>
+              <a:buChar char="–"/>
+              <a:defRPr sz="2800" kern="1200">
+                <a:solidFill>
+                  <a:schemeClr val="tx1"/>
+                </a:solidFill>
+                <a:latin typeface="+mn-lt"/>
+                <a:ea typeface="+mn-ea"/>
+                <a:cs typeface="+mn-cs"/>
+              </a:defRPr>
+            </a:lvl2pPr>
+            <a:lvl3pPr marL="1143000" indent="-228600" algn="l" defTabSz="914400" rtl="0" eaLnBrk="1" latinLnBrk="1" hangingPunct="1">
+              <a:spcBef>
+                <a:spcPct val="20000"/>
+              </a:spcBef>
+              <a:buFont typeface="Arial" pitchFamily="34" charset="0"/>
+              <a:buChar char="•"/>
+              <a:defRPr sz="2400" kern="1200">
+                <a:solidFill>
+                  <a:schemeClr val="tx1"/>
+                </a:solidFill>
+                <a:latin typeface="+mn-lt"/>
+                <a:ea typeface="+mn-ea"/>
+                <a:cs typeface="+mn-cs"/>
+              </a:defRPr>
+            </a:lvl3pPr>
+            <a:lvl4pPr marL="1600200" indent="-228600" algn="l" defTabSz="914400" rtl="0" eaLnBrk="1" latinLnBrk="1" hangingPunct="1">
+              <a:spcBef>
+                <a:spcPct val="20000"/>
+              </a:spcBef>
+              <a:buFont typeface="Arial" pitchFamily="34" charset="0"/>
+              <a:buChar char="–"/>
+              <a:defRPr sz="2000" kern="1200">
+                <a:solidFill>
+                  <a:schemeClr val="tx1"/>
+                </a:solidFill>
+                <a:latin typeface="+mn-lt"/>
+                <a:ea typeface="+mn-ea"/>
+                <a:cs typeface="+mn-cs"/>
+              </a:defRPr>
+            </a:lvl4pPr>
+            <a:lvl5pPr marL="2057400" indent="-228600" algn="l" defTabSz="914400" rtl="0" eaLnBrk="1" latinLnBrk="1" hangingPunct="1">
+              <a:spcBef>
+                <a:spcPct val="20000"/>
+              </a:spcBef>
+              <a:buFont typeface="Arial" pitchFamily="34" charset="0"/>
+              <a:buChar char="»"/>
+              <a:defRPr sz="2000" kern="1200">
+                <a:solidFill>
+                  <a:schemeClr val="tx1"/>
+                </a:solidFill>
+                <a:latin typeface="+mn-lt"/>
+                <a:ea typeface="+mn-ea"/>
+                <a:cs typeface="+mn-cs"/>
+              </a:defRPr>
+            </a:lvl5pPr>
+            <a:lvl6pPr marL="2514600" indent="-228600" algn="l" defTabSz="914400" rtl="0" eaLnBrk="1" latinLnBrk="1" hangingPunct="1">
+              <a:spcBef>
+                <a:spcPct val="20000"/>
+              </a:spcBef>
+              <a:buFont typeface="Arial" pitchFamily="34" charset="0"/>
+              <a:buChar char="•"/>
+              <a:defRPr sz="2000" kern="1200">
+                <a:solidFill>
+                  <a:schemeClr val="tx1"/>
+                </a:solidFill>
+                <a:latin typeface="+mn-lt"/>
+                <a:ea typeface="+mn-ea"/>
+                <a:cs typeface="+mn-cs"/>
+              </a:defRPr>
+            </a:lvl6pPr>
+            <a:lvl7pPr marL="2971800" indent="-228600" algn="l" defTabSz="914400" rtl="0" eaLnBrk="1" latinLnBrk="1" hangingPunct="1">
+              <a:spcBef>
+                <a:spcPct val="20000"/>
+              </a:spcBef>
+              <a:buFont typeface="Arial" pitchFamily="34" charset="0"/>
+              <a:buChar char="•"/>
+              <a:defRPr sz="2000" kern="1200">
+                <a:solidFill>
+                  <a:schemeClr val="tx1"/>
+                </a:solidFill>
+                <a:latin typeface="+mn-lt"/>
+                <a:ea typeface="+mn-ea"/>
+                <a:cs typeface="+mn-cs"/>
+              </a:defRPr>
+            </a:lvl7pPr>
+            <a:lvl8pPr marL="3429000" indent="-228600" algn="l" defTabSz="914400" rtl="0" eaLnBrk="1" latinLnBrk="1" hangingPunct="1">
+              <a:spcBef>
+                <a:spcPct val="20000"/>
+              </a:spcBef>
+              <a:buFont typeface="Arial" pitchFamily="34" charset="0"/>
+              <a:buChar char="•"/>
+              <a:defRPr sz="2000" kern="1200">
+                <a:solidFill>
+                  <a:schemeClr val="tx1"/>
+                </a:solidFill>
+                <a:latin typeface="+mn-lt"/>
+                <a:ea typeface="+mn-ea"/>
+                <a:cs typeface="+mn-cs"/>
+              </a:defRPr>
+            </a:lvl8pPr>
+            <a:lvl9pPr marL="3886200" indent="-228600" algn="l" defTabSz="914400" rtl="0" eaLnBrk="1" latinLnBrk="1" hangingPunct="1">
+              <a:spcBef>
+                <a:spcPct val="20000"/>
+              </a:spcBef>
+              <a:buFont typeface="Arial" pitchFamily="34" charset="0"/>
+              <a:buChar char="•"/>
+              <a:defRPr sz="2000" kern="1200">
+                <a:solidFill>
+                  <a:schemeClr val="tx1"/>
+                </a:solidFill>
+                <a:latin typeface="+mn-lt"/>
+                <a:ea typeface="+mn-ea"/>
+                <a:cs typeface="+mn-cs"/>
+              </a:defRPr>
+            </a:lvl9pPr>
+          </a:lstStyle>
+          <a:p>
+            <a:r>
+              <a:rPr lang="en-IN" b="1" dirty="0">
+                <a:ln w="9525">
+                  <a:solidFill>
+                    <a:schemeClr val="bg1"/>
+                  </a:solidFill>
+                  <a:prstDash val="solid"/>
+                </a:ln>
+                <a:solidFill>
+                  <a:schemeClr val="accent5"/>
+                </a:solidFill>
+                <a:effectLst>
+                  <a:outerShdw blurRad="12700" dist="38100" dir="2700000" algn="tl" rotWithShape="0">
+                    <a:schemeClr val="accent5">
+                      <a:lumMod val="60000"/>
+                      <a:lumOff val="40000"/>
+                    </a:schemeClr>
+                  </a:outerShdw>
+                </a:effectLst>
+              </a:rPr>
+              <a:t>Interest</a:t>
+            </a:r>
+          </a:p>
+          <a:p>
+            <a:endParaRPr lang="en-IN" b="1" dirty="0">
+              <a:ln w="9525">
+                <a:solidFill>
+                  <a:schemeClr val="bg1"/>
+                </a:solidFill>
+                <a:prstDash val="solid"/>
+              </a:ln>
+              <a:solidFill>
+                <a:schemeClr val="accent5"/>
+              </a:solidFill>
+              <a:effectLst>
+                <a:outerShdw blurRad="12700" dist="38100" dir="2700000" algn="tl" rotWithShape="0">
+                  <a:schemeClr val="accent5">
+                    <a:lumMod val="60000"/>
+                    <a:lumOff val="40000"/>
+                  </a:schemeClr>
+                </a:outerShdw>
+              </a:effectLst>
+            </a:endParaRPr>
+          </a:p>
+        </p:txBody>
+      </p:sp>
+      <p:sp>
+        <p:nvSpPr>
+          <p:cNvPr id="13" name="Text Placeholder 1">
+            <a:extLst>
+              <a:ext uri="{FF2B5EF4-FFF2-40B4-BE49-F238E27FC236}">
+                <a16:creationId xmlns:a16="http://schemas.microsoft.com/office/drawing/2014/main" id="{0DC7C46E-DAD1-4CC9-97B3-F42E46CA510B}"/>
+              </a:ext>
+            </a:extLst>
+          </p:cNvPr>
+          <p:cNvSpPr txBox="1">
+            <a:spLocks/>
+          </p:cNvSpPr>
+          <p:nvPr/>
+        </p:nvSpPr>
+        <p:spPr>
+          <a:xfrm>
+            <a:off x="5220072" y="3291830"/>
+            <a:ext cx="3168352" cy="860102"/>
+          </a:xfrm>
+          <a:prstGeom prst="rect">
+            <a:avLst/>
+          </a:prstGeom>
+        </p:spPr>
+        <p:txBody>
+          <a:bodyPr anchor="ctr"/>
+          <a:lstStyle>
+            <a:lvl1pPr marL="0" indent="0" algn="ctr" defTabSz="914400" rtl="0" eaLnBrk="1" latinLnBrk="1" hangingPunct="1">
+              <a:spcBef>
+                <a:spcPct val="20000"/>
+              </a:spcBef>
+              <a:buFont typeface="Arial" pitchFamily="34" charset="0"/>
+              <a:buNone/>
+              <a:defRPr sz="3600" b="0" kern="1200" baseline="0">
+                <a:solidFill>
+                  <a:schemeClr val="bg1"/>
+                </a:solidFill>
+                <a:latin typeface="+mj-lt"/>
+                <a:ea typeface="+mn-ea"/>
+                <a:cs typeface="Arial" pitchFamily="34" charset="0"/>
+              </a:defRPr>
+            </a:lvl1pPr>
+            <a:lvl2pPr marL="742950" indent="-285750" algn="l" defTabSz="914400" rtl="0" eaLnBrk="1" latinLnBrk="1" hangingPunct="1">
+              <a:spcBef>
+                <a:spcPct val="20000"/>
+              </a:spcBef>
+              <a:buFont typeface="Arial" pitchFamily="34" charset="0"/>
+              <a:buChar char="–"/>
+              <a:defRPr sz="2800" kern="1200">
+                <a:solidFill>
+                  <a:schemeClr val="tx1"/>
+                </a:solidFill>
+                <a:latin typeface="+mn-lt"/>
+                <a:ea typeface="+mn-ea"/>
+                <a:cs typeface="+mn-cs"/>
+              </a:defRPr>
+            </a:lvl2pPr>
+            <a:lvl3pPr marL="1143000" indent="-228600" algn="l" defTabSz="914400" rtl="0" eaLnBrk="1" latinLnBrk="1" hangingPunct="1">
+              <a:spcBef>
+                <a:spcPct val="20000"/>
+              </a:spcBef>
+              <a:buFont typeface="Arial" pitchFamily="34" charset="0"/>
+              <a:buChar char="•"/>
+              <a:defRPr sz="2400" kern="1200">
+                <a:solidFill>
+                  <a:schemeClr val="tx1"/>
+                </a:solidFill>
+                <a:latin typeface="+mn-lt"/>
+                <a:ea typeface="+mn-ea"/>
+                <a:cs typeface="+mn-cs"/>
+              </a:defRPr>
+            </a:lvl3pPr>
+            <a:lvl4pPr marL="1600200" indent="-228600" algn="l" defTabSz="914400" rtl="0" eaLnBrk="1" latinLnBrk="1" hangingPunct="1">
+              <a:spcBef>
+                <a:spcPct val="20000"/>
+              </a:spcBef>
+              <a:buFont typeface="Arial" pitchFamily="34" charset="0"/>
+              <a:buChar char="–"/>
+              <a:defRPr sz="2000" kern="1200">
+                <a:solidFill>
+                  <a:schemeClr val="tx1"/>
+                </a:solidFill>
+                <a:latin typeface="+mn-lt"/>
+                <a:ea typeface="+mn-ea"/>
+                <a:cs typeface="+mn-cs"/>
+              </a:defRPr>
+            </a:lvl4pPr>
+            <a:lvl5pPr marL="2057400" indent="-228600" algn="l" defTabSz="914400" rtl="0" eaLnBrk="1" latinLnBrk="1" hangingPunct="1">
+              <a:spcBef>
+                <a:spcPct val="20000"/>
+              </a:spcBef>
+              <a:buFont typeface="Arial" pitchFamily="34" charset="0"/>
+              <a:buChar char="»"/>
+              <a:defRPr sz="2000" kern="1200">
+                <a:solidFill>
+                  <a:schemeClr val="tx1"/>
+                </a:solidFill>
+                <a:latin typeface="+mn-lt"/>
+                <a:ea typeface="+mn-ea"/>
+                <a:cs typeface="+mn-cs"/>
+              </a:defRPr>
+            </a:lvl5pPr>
+            <a:lvl6pPr marL="2514600" indent="-228600" algn="l" defTabSz="914400" rtl="0" eaLnBrk="1" latinLnBrk="1" hangingPunct="1">
+              <a:spcBef>
+                <a:spcPct val="20000"/>
+              </a:spcBef>
+              <a:buFont typeface="Arial" pitchFamily="34" charset="0"/>
+              <a:buChar char="•"/>
+              <a:defRPr sz="2000" kern="1200">
+                <a:solidFill>
+                  <a:schemeClr val="tx1"/>
+                </a:solidFill>
+                <a:latin typeface="+mn-lt"/>
+                <a:ea typeface="+mn-ea"/>
+                <a:cs typeface="+mn-cs"/>
+              </a:defRPr>
+            </a:lvl6pPr>
+            <a:lvl7pPr marL="2971800" indent="-228600" algn="l" defTabSz="914400" rtl="0" eaLnBrk="1" latinLnBrk="1" hangingPunct="1">
+              <a:spcBef>
+                <a:spcPct val="20000"/>
+              </a:spcBef>
+              <a:buFont typeface="Arial" pitchFamily="34" charset="0"/>
+              <a:buChar char="•"/>
+              <a:defRPr sz="2000" kern="1200">
+                <a:solidFill>
+                  <a:schemeClr val="tx1"/>
+                </a:solidFill>
+                <a:latin typeface="+mn-lt"/>
+                <a:ea typeface="+mn-ea"/>
+                <a:cs typeface="+mn-cs"/>
+              </a:defRPr>
+            </a:lvl7pPr>
+            <a:lvl8pPr marL="3429000" indent="-228600" algn="l" defTabSz="914400" rtl="0" eaLnBrk="1" latinLnBrk="1" hangingPunct="1">
+              <a:spcBef>
+                <a:spcPct val="20000"/>
+              </a:spcBef>
+              <a:buFont typeface="Arial" pitchFamily="34" charset="0"/>
+              <a:buChar char="•"/>
+              <a:defRPr sz="2000" kern="1200">
+                <a:solidFill>
+                  <a:schemeClr val="tx1"/>
+                </a:solidFill>
+                <a:latin typeface="+mn-lt"/>
+                <a:ea typeface="+mn-ea"/>
+                <a:cs typeface="+mn-cs"/>
+              </a:defRPr>
+            </a:lvl8pPr>
+            <a:lvl9pPr marL="3886200" indent="-228600" algn="l" defTabSz="914400" rtl="0" eaLnBrk="1" latinLnBrk="1" hangingPunct="1">
+              <a:spcBef>
+                <a:spcPct val="20000"/>
+              </a:spcBef>
+              <a:buFont typeface="Arial" pitchFamily="34" charset="0"/>
+              <a:buChar char="•"/>
+              <a:defRPr sz="2000" kern="1200">
+                <a:solidFill>
+                  <a:schemeClr val="tx1"/>
+                </a:solidFill>
+                <a:latin typeface="+mn-lt"/>
+                <a:ea typeface="+mn-ea"/>
+                <a:cs typeface="+mn-cs"/>
+              </a:defRPr>
+            </a:lvl9pPr>
+          </a:lstStyle>
+          <a:p>
+            <a:r>
+              <a:rPr lang="en-IN" b="1" dirty="0">
+                <a:ln w="9525">
+                  <a:solidFill>
+                    <a:schemeClr val="bg1"/>
+                  </a:solidFill>
+                  <a:prstDash val="solid"/>
+                </a:ln>
+                <a:solidFill>
+                  <a:schemeClr val="accent5"/>
+                </a:solidFill>
+                <a:effectLst>
+                  <a:outerShdw blurRad="12700" dist="38100" dir="2700000" algn="tl" rotWithShape="0">
+                    <a:schemeClr val="accent5">
+                      <a:lumMod val="60000"/>
+                      <a:lumOff val="40000"/>
+                    </a:schemeClr>
+                  </a:outerShdw>
+                </a:effectLst>
+              </a:rPr>
+              <a:t>Not Interest</a:t>
+            </a:r>
+          </a:p>
+          <a:p>
+            <a:endParaRPr lang="en-IN" b="1" dirty="0">
+              <a:ln w="9525">
+                <a:solidFill>
+                  <a:schemeClr val="bg1"/>
+                </a:solidFill>
+                <a:prstDash val="solid"/>
+              </a:ln>
+              <a:solidFill>
+                <a:schemeClr val="accent5"/>
+              </a:solidFill>
+              <a:effectLst>
+                <a:outerShdw blurRad="12700" dist="38100" dir="2700000" algn="tl" rotWithShape="0">
+                  <a:schemeClr val="accent5">
+                    <a:lumMod val="60000"/>
+                    <a:lumOff val="40000"/>
+                  </a:schemeClr>
+                </a:outerShdw>
+              </a:effectLst>
+            </a:endParaRPr>
+          </a:p>
+        </p:txBody>
+      </p:sp>
+    </p:spTree>
+    <p:extLst>
+      <p:ext uri="{BB962C8B-B14F-4D97-AF65-F5344CB8AC3E}">
+        <p14:creationId xmlns:p14="http://schemas.microsoft.com/office/powerpoint/2010/main" val="575621700"/>
+      </p:ext>
+    </p:extLst>
+  </p:cSld>
+  <p:clrMapOvr>
+    <a:masterClrMapping/>
+  </p:clrMapOvr>
+</p:sld>
+</file>
+
+<file path=ppt/slides/slide8.xml><?xml version="1.0" encoding="utf-8"?>
 <p:sld xmlns:a="http://schemas.openxmlformats.org/drawingml/2006/main" xmlns:r="http://schemas.openxmlformats.org/officeDocument/2006/relationships" xmlns:p="http://schemas.openxmlformats.org/presentationml/2006/main">
   <p:cSld>
     <p:spTree>
@@ -15958,7 +17067,7 @@
                             </p:stCondLst>
                             <p:childTnLst>
                               <p:par>
-                                <p:cTn id="5" presetID="26" presetClass="entr" presetSubtype="0" fill="hold" nodeType="clickEffect">
+                                <p:cTn id="5" presetID="10" presetClass="entr" presetSubtype="0" fill="hold" nodeType="clickEffect">
                                   <p:stCondLst>
                                     <p:cond delay="0"/>
                                   </p:stCondLst>
@@ -15981,257 +17090,14 @@
                                         <p:strVal val="visible"/>
                                       </p:to>
                                     </p:set>
-                                    <p:animEffect transition="in" filter="wipe(down)">
+                                    <p:animEffect transition="in" filter="fade">
                                       <p:cBhvr>
-                                        <p:cTn id="7" dur="580">
-                                          <p:stCondLst>
-                                            <p:cond delay="0"/>
-                                          </p:stCondLst>
-                                        </p:cTn>
+                                        <p:cTn id="7" dur="500"/>
                                         <p:tgtEl>
                                           <p:spTgt spid="4"/>
                                         </p:tgtEl>
                                       </p:cBhvr>
                                     </p:animEffect>
-                                    <p:anim calcmode="lin" valueType="num">
-                                      <p:cBhvr>
-                                        <p:cTn id="8" dur="1822" tmFilter="0,0; 0.14,0.36; 0.43,0.73; 0.71,0.91; 1.0,1.0">
-                                          <p:stCondLst>
-                                            <p:cond delay="0"/>
-                                          </p:stCondLst>
-                                        </p:cTn>
-                                        <p:tgtEl>
-                                          <p:spTgt spid="4"/>
-                                        </p:tgtEl>
-                                        <p:attrNameLst>
-                                          <p:attrName>ppt_x</p:attrName>
-                                        </p:attrNameLst>
-                                      </p:cBhvr>
-                                      <p:tavLst>
-                                        <p:tav tm="0">
-                                          <p:val>
-                                            <p:strVal val="#ppt_x-0.25"/>
-                                          </p:val>
-                                        </p:tav>
-                                        <p:tav tm="100000">
-                                          <p:val>
-                                            <p:strVal val="#ppt_x"/>
-                                          </p:val>
-                                        </p:tav>
-                                      </p:tavLst>
-                                    </p:anim>
-                                    <p:anim calcmode="lin" valueType="num">
-                                      <p:cBhvr>
-                                        <p:cTn id="9" dur="664" tmFilter="0.0,0.0; 0.25,0.07; 0.50,0.2; 0.75,0.467; 1.0,1.0">
-                                          <p:stCondLst>
-                                            <p:cond delay="0"/>
-                                          </p:stCondLst>
-                                        </p:cTn>
-                                        <p:tgtEl>
-                                          <p:spTgt spid="4"/>
-                                        </p:tgtEl>
-                                        <p:attrNameLst>
-                                          <p:attrName>ppt_y</p:attrName>
-                                        </p:attrNameLst>
-                                      </p:cBhvr>
-                                      <p:tavLst>
-                                        <p:tav tm="0" fmla="#ppt_y-sin(pi*$)/3">
-                                          <p:val>
-                                            <p:fltVal val="0.5"/>
-                                          </p:val>
-                                        </p:tav>
-                                        <p:tav tm="100000">
-                                          <p:val>
-                                            <p:fltVal val="1"/>
-                                          </p:val>
-                                        </p:tav>
-                                      </p:tavLst>
-                                    </p:anim>
-                                    <p:anim calcmode="lin" valueType="num">
-                                      <p:cBhvr>
-                                        <p:cTn id="10" dur="664" tmFilter="0, 0; 0.125,0.2665; 0.25,0.4; 0.375,0.465; 0.5,0.5;  0.625,0.535; 0.75,0.6; 0.875,0.7335; 1,1">
-                                          <p:stCondLst>
-                                            <p:cond delay="664"/>
-                                          </p:stCondLst>
-                                        </p:cTn>
-                                        <p:tgtEl>
-                                          <p:spTgt spid="4"/>
-                                        </p:tgtEl>
-                                        <p:attrNameLst>
-                                          <p:attrName>ppt_y</p:attrName>
-                                        </p:attrNameLst>
-                                      </p:cBhvr>
-                                      <p:tavLst>
-                                        <p:tav tm="0" fmla="#ppt_y-sin(pi*$)/9">
-                                          <p:val>
-                                            <p:fltVal val="0"/>
-                                          </p:val>
-                                        </p:tav>
-                                        <p:tav tm="100000">
-                                          <p:val>
-                                            <p:fltVal val="1"/>
-                                          </p:val>
-                                        </p:tav>
-                                      </p:tavLst>
-                                    </p:anim>
-                                    <p:anim calcmode="lin" valueType="num">
-                                      <p:cBhvr>
-                                        <p:cTn id="11" dur="332" tmFilter="0, 0; 0.125,0.2665; 0.25,0.4; 0.375,0.465; 0.5,0.5;  0.625,0.535; 0.75,0.6; 0.875,0.7335; 1,1">
-                                          <p:stCondLst>
-                                            <p:cond delay="1324"/>
-                                          </p:stCondLst>
-                                        </p:cTn>
-                                        <p:tgtEl>
-                                          <p:spTgt spid="4"/>
-                                        </p:tgtEl>
-                                        <p:attrNameLst>
-                                          <p:attrName>ppt_y</p:attrName>
-                                        </p:attrNameLst>
-                                      </p:cBhvr>
-                                      <p:tavLst>
-                                        <p:tav tm="0" fmla="#ppt_y-sin(pi*$)/27">
-                                          <p:val>
-                                            <p:fltVal val="0"/>
-                                          </p:val>
-                                        </p:tav>
-                                        <p:tav tm="100000">
-                                          <p:val>
-                                            <p:fltVal val="1"/>
-                                          </p:val>
-                                        </p:tav>
-                                      </p:tavLst>
-                                    </p:anim>
-                                    <p:anim calcmode="lin" valueType="num">
-                                      <p:cBhvr>
-                                        <p:cTn id="12" dur="164" tmFilter="0, 0; 0.125,0.2665; 0.25,0.4; 0.375,0.465; 0.5,0.5;  0.625,0.535; 0.75,0.6; 0.875,0.7335; 1,1">
-                                          <p:stCondLst>
-                                            <p:cond delay="1656"/>
-                                          </p:stCondLst>
-                                        </p:cTn>
-                                        <p:tgtEl>
-                                          <p:spTgt spid="4"/>
-                                        </p:tgtEl>
-                                        <p:attrNameLst>
-                                          <p:attrName>ppt_y</p:attrName>
-                                        </p:attrNameLst>
-                                      </p:cBhvr>
-                                      <p:tavLst>
-                                        <p:tav tm="0" fmla="#ppt_y-sin(pi*$)/81">
-                                          <p:val>
-                                            <p:fltVal val="0"/>
-                                          </p:val>
-                                        </p:tav>
-                                        <p:tav tm="100000">
-                                          <p:val>
-                                            <p:fltVal val="1"/>
-                                          </p:val>
-                                        </p:tav>
-                                      </p:tavLst>
-                                    </p:anim>
-                                    <p:animScale>
-                                      <p:cBhvr>
-                                        <p:cTn id="13" dur="26">
-                                          <p:stCondLst>
-                                            <p:cond delay="650"/>
-                                          </p:stCondLst>
-                                        </p:cTn>
-                                        <p:tgtEl>
-                                          <p:spTgt spid="4"/>
-                                        </p:tgtEl>
-                                      </p:cBhvr>
-                                      <p:to x="100000" y="60000"/>
-                                    </p:animScale>
-                                    <p:animScale>
-                                      <p:cBhvr>
-                                        <p:cTn id="14" dur="166" decel="50000">
-                                          <p:stCondLst>
-                                            <p:cond delay="676"/>
-                                          </p:stCondLst>
-                                        </p:cTn>
-                                        <p:tgtEl>
-                                          <p:spTgt spid="4"/>
-                                        </p:tgtEl>
-                                      </p:cBhvr>
-                                      <p:to x="100000" y="100000"/>
-                                    </p:animScale>
-                                    <p:animScale>
-                                      <p:cBhvr>
-                                        <p:cTn id="15" dur="26">
-                                          <p:stCondLst>
-                                            <p:cond delay="1312"/>
-                                          </p:stCondLst>
-                                        </p:cTn>
-                                        <p:tgtEl>
-                                          <p:spTgt spid="4"/>
-                                        </p:tgtEl>
-                                      </p:cBhvr>
-                                      <p:to x="100000" y="80000"/>
-                                    </p:animScale>
-                                    <p:animScale>
-                                      <p:cBhvr>
-                                        <p:cTn id="16" dur="166" decel="50000">
-                                          <p:stCondLst>
-                                            <p:cond delay="1338"/>
-                                          </p:stCondLst>
-                                        </p:cTn>
-                                        <p:tgtEl>
-                                          <p:spTgt spid="4"/>
-                                        </p:tgtEl>
-                                      </p:cBhvr>
-                                      <p:to x="100000" y="100000"/>
-                                    </p:animScale>
-                                    <p:animScale>
-                                      <p:cBhvr>
-                                        <p:cTn id="17" dur="26">
-                                          <p:stCondLst>
-                                            <p:cond delay="1642"/>
-                                          </p:stCondLst>
-                                        </p:cTn>
-                                        <p:tgtEl>
-                                          <p:spTgt spid="4"/>
-                                        </p:tgtEl>
-                                      </p:cBhvr>
-                                      <p:to x="100000" y="90000"/>
-                                    </p:animScale>
-                                    <p:animScale>
-                                      <p:cBhvr>
-                                        <p:cTn id="18" dur="166" decel="50000">
-                                          <p:stCondLst>
-                                            <p:cond delay="1668"/>
-                                          </p:stCondLst>
-                                        </p:cTn>
-                                        <p:tgtEl>
-                                          <p:spTgt spid="4"/>
-                                        </p:tgtEl>
-                                      </p:cBhvr>
-                                      <p:to x="100000" y="100000"/>
-                                    </p:animScale>
-                                    <p:animScale>
-                                      <p:cBhvr>
-                                        <p:cTn id="19" dur="26">
-                                          <p:stCondLst>
-                                            <p:cond delay="1808"/>
-                                          </p:stCondLst>
-                                        </p:cTn>
-                                        <p:tgtEl>
-                                          <p:spTgt spid="4"/>
-                                        </p:tgtEl>
-                                      </p:cBhvr>
-                                      <p:to x="100000" y="95000"/>
-                                    </p:animScale>
-                                    <p:animScale>
-                                      <p:cBhvr>
-                                        <p:cTn id="20" dur="166" decel="50000">
-                                          <p:stCondLst>
-                                            <p:cond delay="1834"/>
-                                          </p:stCondLst>
-                                        </p:cTn>
-                                        <p:tgtEl>
-                                          <p:spTgt spid="4"/>
-                                        </p:tgtEl>
-                                      </p:cBhvr>
-                                      <p:to x="100000" y="100000"/>
-                                    </p:animScale>
                                   </p:childTnLst>
                                 </p:cTn>
                               </p:par>
@@ -16242,26 +17108,26 @@
                     </p:cTn>
                   </p:par>
                   <p:par>
-                    <p:cTn id="21" fill="hold">
+                    <p:cTn id="8" fill="hold">
                       <p:stCondLst>
                         <p:cond delay="indefinite"/>
                       </p:stCondLst>
                       <p:childTnLst>
                         <p:par>
-                          <p:cTn id="22" fill="hold">
+                          <p:cTn id="9" fill="hold">
                             <p:stCondLst>
                               <p:cond delay="0"/>
                             </p:stCondLst>
                             <p:childTnLst>
                               <p:par>
-                                <p:cTn id="23" presetID="6" presetClass="entr" presetSubtype="16" fill="hold" nodeType="clickEffect">
+                                <p:cTn id="10" presetID="6" presetClass="entr" presetSubtype="16" fill="hold" nodeType="clickEffect">
                                   <p:stCondLst>
                                     <p:cond delay="0"/>
                                   </p:stCondLst>
                                   <p:childTnLst>
                                     <p:set>
                                       <p:cBhvr>
-                                        <p:cTn id="24" dur="1" fill="hold">
+                                        <p:cTn id="11" dur="1" fill="hold">
                                           <p:stCondLst>
                                             <p:cond delay="0"/>
                                           </p:stCondLst>
@@ -16283,7 +17149,7 @@
                                     </p:set>
                                     <p:animEffect transition="in" filter="circle(in)">
                                       <p:cBhvr>
-                                        <p:cTn id="25" dur="2000"/>
+                                        <p:cTn id="12" dur="2000"/>
                                         <p:tgtEl>
                                           <p:spTgt spid="2">
                                             <p:txEl>
